--- a/ゼミ_20200529.pptx
+++ b/ゼミ_20200529.pptx
@@ -6,13 +6,14 @@
     <p:sldMasterId id="2147483697" r:id="rId5"/>
   </p:sldMasterIdLst>
   <p:notesMasterIdLst>
-    <p:notesMasterId r:id="rId10"/>
+    <p:notesMasterId r:id="rId11"/>
   </p:notesMasterIdLst>
   <p:sldIdLst>
     <p:sldId id="280" r:id="rId6"/>
     <p:sldId id="281" r:id="rId7"/>
     <p:sldId id="284" r:id="rId8"/>
-    <p:sldId id="283" r:id="rId9"/>
+    <p:sldId id="285" r:id="rId9"/>
+    <p:sldId id="283" r:id="rId10"/>
   </p:sldIdLst>
   <p:sldSz cx="9144000" cy="6858000" type="screen4x3"/>
   <p:notesSz cx="6858000" cy="9144000"/>
@@ -509,6 +510,533 @@
     </a:lvl9pPr>
   </p:notesStyle>
 </p:notesMaster>
+</file>
+
+<file path=ppt/notesSlides/notesSlide1.xml><?xml version="1.0" encoding="utf-8"?>
+<p:notes xmlns:a="http://schemas.openxmlformats.org/drawingml/2006/main" xmlns:r="http://schemas.openxmlformats.org/officeDocument/2006/relationships" xmlns:p="http://schemas.openxmlformats.org/presentationml/2006/main">
+  <p:cSld>
+    <p:spTree>
+      <p:nvGrpSpPr>
+        <p:cNvPr id="1" name=""/>
+        <p:cNvGrpSpPr/>
+        <p:nvPr/>
+      </p:nvGrpSpPr>
+      <p:grpSpPr>
+        <a:xfrm>
+          <a:off x="0" y="0"/>
+          <a:ext cx="0" cy="0"/>
+          <a:chOff x="0" y="0"/>
+          <a:chExt cx="0" cy="0"/>
+        </a:xfrm>
+      </p:grpSpPr>
+      <p:sp>
+        <p:nvSpPr>
+          <p:cNvPr id="2" name="スライド イメージ プレースホルダー 1"/>
+          <p:cNvSpPr>
+            <a:spLocks noGrp="1" noRot="1" noChangeAspect="1"/>
+          </p:cNvSpPr>
+          <p:nvPr>
+            <p:ph type="sldImg"/>
+          </p:nvPr>
+        </p:nvSpPr>
+        <p:spPr/>
+      </p:sp>
+      <p:sp>
+        <p:nvSpPr>
+          <p:cNvPr id="3" name="ノート プレースホルダー 2"/>
+          <p:cNvSpPr>
+            <a:spLocks noGrp="1"/>
+          </p:cNvSpPr>
+          <p:nvPr>
+            <p:ph type="body" idx="1"/>
+          </p:nvPr>
+        </p:nvSpPr>
+        <p:spPr/>
+        <p:txBody>
+          <a:bodyPr/>
+          <a:lstStyle/>
+          <a:p>
+            <a:endParaRPr kumimoji="1" lang="ja-JP" altLang="en-US"/>
+          </a:p>
+        </p:txBody>
+      </p:sp>
+      <p:sp>
+        <p:nvSpPr>
+          <p:cNvPr id="4" name="スライド番号プレースホルダー 3"/>
+          <p:cNvSpPr>
+            <a:spLocks noGrp="1"/>
+          </p:cNvSpPr>
+          <p:nvPr>
+            <p:ph type="sldNum" sz="quarter" idx="5"/>
+          </p:nvPr>
+        </p:nvSpPr>
+        <p:spPr/>
+        <p:txBody>
+          <a:bodyPr/>
+          <a:lstStyle/>
+          <a:p>
+            <a:fld id="{9E65FF1C-5ED4-104C-889B-C03938E2F7B7}" type="slidenum">
+              <a:rPr kumimoji="1" lang="ja-JP" altLang="en-US" smtClean="0"/>
+              <a:t>1</a:t>
+            </a:fld>
+            <a:endParaRPr kumimoji="1" lang="ja-JP" altLang="en-US"/>
+          </a:p>
+        </p:txBody>
+      </p:sp>
+    </p:spTree>
+    <p:extLst>
+      <p:ext uri="{BB962C8B-B14F-4D97-AF65-F5344CB8AC3E}">
+        <p14:creationId xmlns:p14="http://schemas.microsoft.com/office/powerpoint/2010/main" val="4164400102"/>
+      </p:ext>
+    </p:extLst>
+  </p:cSld>
+  <p:clrMapOvr>
+    <a:masterClrMapping/>
+  </p:clrMapOvr>
+</p:notes>
+</file>
+
+<file path=ppt/notesSlides/notesSlide2.xml><?xml version="1.0" encoding="utf-8"?>
+<p:notes xmlns:a="http://schemas.openxmlformats.org/drawingml/2006/main" xmlns:r="http://schemas.openxmlformats.org/officeDocument/2006/relationships" xmlns:p="http://schemas.openxmlformats.org/presentationml/2006/main">
+  <p:cSld>
+    <p:spTree>
+      <p:nvGrpSpPr>
+        <p:cNvPr id="1" name=""/>
+        <p:cNvGrpSpPr/>
+        <p:nvPr/>
+      </p:nvGrpSpPr>
+      <p:grpSpPr>
+        <a:xfrm>
+          <a:off x="0" y="0"/>
+          <a:ext cx="0" cy="0"/>
+          <a:chOff x="0" y="0"/>
+          <a:chExt cx="0" cy="0"/>
+        </a:xfrm>
+      </p:grpSpPr>
+      <p:sp>
+        <p:nvSpPr>
+          <p:cNvPr id="2" name="スライド イメージ プレースホルダー 1"/>
+          <p:cNvSpPr>
+            <a:spLocks noGrp="1" noRot="1" noChangeAspect="1"/>
+          </p:cNvSpPr>
+          <p:nvPr>
+            <p:ph type="sldImg"/>
+          </p:nvPr>
+        </p:nvSpPr>
+        <p:spPr/>
+      </p:sp>
+      <p:sp>
+        <p:nvSpPr>
+          <p:cNvPr id="3" name="ノート プレースホルダー 2"/>
+          <p:cNvSpPr>
+            <a:spLocks noGrp="1"/>
+          </p:cNvSpPr>
+          <p:nvPr>
+            <p:ph type="body" idx="1"/>
+          </p:nvPr>
+        </p:nvSpPr>
+        <p:spPr/>
+        <p:txBody>
+          <a:bodyPr/>
+          <a:lstStyle/>
+          <a:p>
+            <a:r>
+              <a:rPr kumimoji="1" lang="ja-JP" altLang="en-US"/>
+              <a:t>アイデア</a:t>
+            </a:r>
+            <a:r>
+              <a:rPr kumimoji="1" lang="en-US" altLang="ja-JP" dirty="0"/>
+              <a:t>1</a:t>
+            </a:r>
+            <a:r>
+              <a:rPr kumimoji="1" lang="ja-JP" altLang="en-US"/>
+              <a:t>，</a:t>
+            </a:r>
+            <a:r>
+              <a:rPr kumimoji="1" lang="en-US" altLang="ja-JP" dirty="0"/>
+              <a:t>2</a:t>
+            </a:r>
+          </a:p>
+          <a:p>
+            <a:r>
+              <a:rPr kumimoji="1" lang="ja-JP" altLang="en-US"/>
+              <a:t>アイデア</a:t>
+            </a:r>
+            <a:r>
+              <a:rPr kumimoji="1" lang="en-US" altLang="ja-JP" dirty="0"/>
+              <a:t>3</a:t>
+            </a:r>
+            <a:r>
+              <a:rPr kumimoji="1" lang="ja-JP" altLang="en-US"/>
+              <a:t>は，やり出すとひとつの研究になりそうなレベルだな．．．</a:t>
+            </a:r>
+            <a:endParaRPr kumimoji="1" lang="en-US" altLang="ja-JP" dirty="0"/>
+          </a:p>
+        </p:txBody>
+      </p:sp>
+      <p:sp>
+        <p:nvSpPr>
+          <p:cNvPr id="4" name="スライド番号プレースホルダー 3"/>
+          <p:cNvSpPr>
+            <a:spLocks noGrp="1"/>
+          </p:cNvSpPr>
+          <p:nvPr>
+            <p:ph type="sldNum" sz="quarter" idx="5"/>
+          </p:nvPr>
+        </p:nvSpPr>
+        <p:spPr/>
+        <p:txBody>
+          <a:bodyPr/>
+          <a:lstStyle/>
+          <a:p>
+            <a:fld id="{9E65FF1C-5ED4-104C-889B-C03938E2F7B7}" type="slidenum">
+              <a:rPr kumimoji="1" lang="ja-JP" altLang="en-US" smtClean="0"/>
+              <a:t>2</a:t>
+            </a:fld>
+            <a:endParaRPr kumimoji="1" lang="ja-JP" altLang="en-US"/>
+          </a:p>
+        </p:txBody>
+      </p:sp>
+    </p:spTree>
+    <p:extLst>
+      <p:ext uri="{BB962C8B-B14F-4D97-AF65-F5344CB8AC3E}">
+        <p14:creationId xmlns:p14="http://schemas.microsoft.com/office/powerpoint/2010/main" val="649181061"/>
+      </p:ext>
+    </p:extLst>
+  </p:cSld>
+  <p:clrMapOvr>
+    <a:masterClrMapping/>
+  </p:clrMapOvr>
+</p:notes>
+</file>
+
+<file path=ppt/notesSlides/notesSlide3.xml><?xml version="1.0" encoding="utf-8"?>
+<p:notes xmlns:a="http://schemas.openxmlformats.org/drawingml/2006/main" xmlns:r="http://schemas.openxmlformats.org/officeDocument/2006/relationships" xmlns:p="http://schemas.openxmlformats.org/presentationml/2006/main">
+  <p:cSld>
+    <p:spTree>
+      <p:nvGrpSpPr>
+        <p:cNvPr id="1" name=""/>
+        <p:cNvGrpSpPr/>
+        <p:nvPr/>
+      </p:nvGrpSpPr>
+      <p:grpSpPr>
+        <a:xfrm>
+          <a:off x="0" y="0"/>
+          <a:ext cx="0" cy="0"/>
+          <a:chOff x="0" y="0"/>
+          <a:chExt cx="0" cy="0"/>
+        </a:xfrm>
+      </p:grpSpPr>
+      <p:sp>
+        <p:nvSpPr>
+          <p:cNvPr id="2" name="スライド イメージ プレースホルダー 1"/>
+          <p:cNvSpPr>
+            <a:spLocks noGrp="1" noRot="1" noChangeAspect="1"/>
+          </p:cNvSpPr>
+          <p:nvPr>
+            <p:ph type="sldImg"/>
+          </p:nvPr>
+        </p:nvSpPr>
+        <p:spPr/>
+      </p:sp>
+      <p:sp>
+        <p:nvSpPr>
+          <p:cNvPr id="3" name="ノート プレースホルダー 2"/>
+          <p:cNvSpPr>
+            <a:spLocks noGrp="1"/>
+          </p:cNvSpPr>
+          <p:nvPr>
+            <p:ph type="body" idx="1"/>
+          </p:nvPr>
+        </p:nvSpPr>
+        <p:spPr/>
+        <p:txBody>
+          <a:bodyPr/>
+          <a:lstStyle/>
+          <a:p>
+            <a:pPr marL="0" marR="0" lvl="0" indent="0" algn="l" defTabSz="914400" rtl="0" eaLnBrk="1" fontAlgn="auto" latinLnBrk="0" hangingPunct="1">
+              <a:lnSpc>
+                <a:spcPct val="100000"/>
+              </a:lnSpc>
+              <a:spcBef>
+                <a:spcPts val="0"/>
+              </a:spcBef>
+              <a:spcAft>
+                <a:spcPts val="0"/>
+              </a:spcAft>
+              <a:buClrTx/>
+              <a:buSzTx/>
+              <a:buFontTx/>
+              <a:buNone/>
+              <a:tabLst/>
+              <a:defRPr/>
+            </a:pPr>
+            <a:r>
+              <a:rPr lang="en-US" altLang="ja-JP" dirty="0"/>
+              <a:t>Negotiation Control Strategy</a:t>
+            </a:r>
+          </a:p>
+          <a:p>
+            <a:pPr marL="0" marR="0" lvl="0" indent="0" algn="l" defTabSz="914400" rtl="0" eaLnBrk="1" fontAlgn="auto" latinLnBrk="0" hangingPunct="1">
+              <a:lnSpc>
+                <a:spcPct val="100000"/>
+              </a:lnSpc>
+              <a:spcBef>
+                <a:spcPts val="0"/>
+              </a:spcBef>
+              <a:spcAft>
+                <a:spcPts val="0"/>
+              </a:spcAft>
+              <a:buClrTx/>
+              <a:buSzTx/>
+              <a:buFontTx/>
+              <a:buNone/>
+              <a:tabLst/>
+              <a:defRPr/>
+            </a:pPr>
+            <a:r>
+              <a:rPr lang="ja-JP" altLang="en-US"/>
+              <a:t>どんな内容で契約を申し込むか→</a:t>
+            </a:r>
+            <a:r>
+              <a:rPr lang="en-US" altLang="ja-JP" dirty="0"/>
+              <a:t>Trading Strategy</a:t>
+            </a:r>
+            <a:r>
+              <a:rPr lang="ja-JP" altLang="en-US"/>
+              <a:t>から必要量は提示されるが，それをどう分割して自分から契約を吹っ掛けたり，契約を取ったりするかは別問題</a:t>
+            </a:r>
+            <a:endParaRPr lang="en-US" altLang="ja-JP" dirty="0"/>
+          </a:p>
+          <a:p>
+            <a:pPr marL="0" marR="0" lvl="0" indent="0" algn="l" defTabSz="914400" rtl="0" eaLnBrk="1" fontAlgn="auto" latinLnBrk="0" hangingPunct="1">
+              <a:lnSpc>
+                <a:spcPct val="100000"/>
+              </a:lnSpc>
+              <a:spcBef>
+                <a:spcPts val="0"/>
+              </a:spcBef>
+              <a:spcAft>
+                <a:spcPts val="0"/>
+              </a:spcAft>
+              <a:buClrTx/>
+              <a:buSzTx/>
+              <a:buFontTx/>
+              <a:buNone/>
+              <a:tabLst/>
+              <a:defRPr/>
+            </a:pPr>
+            <a:endParaRPr lang="en-US" altLang="ja-JP" dirty="0"/>
+          </a:p>
+          <a:p>
+            <a:r>
+              <a:rPr kumimoji="1" lang="ja-JP" altLang="en-US"/>
+              <a:t>アイデア</a:t>
+            </a:r>
+            <a:r>
+              <a:rPr kumimoji="1" lang="en-US" altLang="ja-JP" dirty="0"/>
+              <a:t>4</a:t>
+            </a:r>
+            <a:r>
+              <a:rPr kumimoji="1" lang="ja-JP" altLang="en-US"/>
+              <a:t>→マネージャの仕事？</a:t>
+            </a:r>
+            <a:endParaRPr kumimoji="1" lang="en-US" altLang="ja-JP" dirty="0"/>
+          </a:p>
+          <a:p>
+            <a:r>
+              <a:rPr kumimoji="1" lang="ja-JP" altLang="en-US"/>
+              <a:t>アイデア</a:t>
+            </a:r>
+            <a:r>
+              <a:rPr kumimoji="1" lang="en-US" altLang="ja-JP" dirty="0"/>
+              <a:t>5</a:t>
+            </a:r>
+            <a:r>
+              <a:rPr kumimoji="1" lang="ja-JP" altLang="en-US"/>
+              <a:t>はひとまず保留→マネージャの仕事？</a:t>
+            </a:r>
+            <a:endParaRPr kumimoji="1" lang="en-US" altLang="ja-JP" dirty="0"/>
+          </a:p>
+          <a:p>
+            <a:endParaRPr kumimoji="1" lang="en-US" altLang="ja-JP" dirty="0"/>
+          </a:p>
+          <a:p>
+            <a:r>
+              <a:rPr kumimoji="1" lang="ja-JP" altLang="en-US"/>
+              <a:t>コントローラの仕事＝交渉アルゴリズム</a:t>
+            </a:r>
+            <a:endParaRPr kumimoji="1" lang="en-US" altLang="ja-JP" dirty="0"/>
+          </a:p>
+          <a:p>
+            <a:r>
+              <a:rPr kumimoji="1" lang="ja-JP" altLang="en-US"/>
+              <a:t>アイデア</a:t>
+            </a:r>
+            <a:r>
+              <a:rPr kumimoji="1" lang="en-US" altLang="ja-JP" dirty="0"/>
+              <a:t>6</a:t>
+            </a:r>
+            <a:r>
+              <a:rPr kumimoji="1" lang="ja-JP" altLang="en-US"/>
+              <a:t>：</a:t>
+            </a:r>
+            <a:r>
+              <a:rPr lang="ja-JP" altLang="en-US"/>
+              <a:t>各ステップごとにインスタンス化される</a:t>
+            </a:r>
+            <a:r>
+              <a:rPr lang="en" altLang="ja-JP" dirty="0" err="1"/>
+              <a:t>StepController</a:t>
+            </a:r>
+            <a:r>
+              <a:rPr lang="ja-JP" altLang="en-US"/>
+              <a:t>（交渉アルゴリズム）→他ステップの</a:t>
+            </a:r>
+            <a:r>
+              <a:rPr lang="en-US" altLang="ja-JP" dirty="0"/>
+              <a:t>Controller</a:t>
+            </a:r>
+            <a:r>
+              <a:rPr lang="ja-JP" altLang="en-US"/>
+              <a:t>を考慮して，アルゴリズムを調整したい→意味分からんから後回し．他ステップじゃなくて，同じステップの他の交渉のこと？</a:t>
+            </a:r>
+            <a:endParaRPr lang="en-US" altLang="ja-JP" dirty="0"/>
+          </a:p>
+          <a:p>
+            <a:endParaRPr kumimoji="1" lang="en-US" altLang="ja-JP" dirty="0"/>
+          </a:p>
+          <a:p>
+            <a:endParaRPr kumimoji="1" lang="en-US" altLang="ja-JP" dirty="0"/>
+          </a:p>
+          <a:p>
+            <a:r>
+              <a:rPr kumimoji="1" lang="ja-JP" altLang="en-US"/>
+              <a:t>ユーティリティはよくわからんから後回し（アイデア</a:t>
+            </a:r>
+            <a:r>
+              <a:rPr kumimoji="1" lang="en-US" altLang="ja-JP" dirty="0"/>
+              <a:t>7</a:t>
+            </a:r>
+            <a:r>
+              <a:rPr kumimoji="1" lang="ja-JP" altLang="en-US"/>
+              <a:t>，</a:t>
+            </a:r>
+            <a:r>
+              <a:rPr kumimoji="1" lang="en-US" altLang="ja-JP" dirty="0"/>
+              <a:t>8</a:t>
+            </a:r>
+          </a:p>
+          <a:p>
+            <a:r>
+              <a:rPr kumimoji="1" lang="ja-JP" altLang="en-US"/>
+              <a:t>コントローラを実装し始めればわかるはず</a:t>
+            </a:r>
+            <a:endParaRPr kumimoji="1" lang="en-US" altLang="ja-JP" dirty="0"/>
+          </a:p>
+          <a:p>
+            <a:endParaRPr kumimoji="1" lang="en-US" altLang="ja-JP" dirty="0"/>
+          </a:p>
+          <a:p>
+            <a:endParaRPr kumimoji="1" lang="en-US" altLang="ja-JP" dirty="0"/>
+          </a:p>
+          <a:p>
+            <a:pPr marL="0" marR="0" lvl="0" indent="0" algn="l" defTabSz="914400" rtl="0" eaLnBrk="1" fontAlgn="auto" latinLnBrk="0" hangingPunct="1">
+              <a:lnSpc>
+                <a:spcPct val="100000"/>
+              </a:lnSpc>
+              <a:spcBef>
+                <a:spcPts val="0"/>
+              </a:spcBef>
+              <a:spcAft>
+                <a:spcPts val="0"/>
+              </a:spcAft>
+              <a:buClrTx/>
+              <a:buSzTx/>
+              <a:buFontTx/>
+              <a:buNone/>
+              <a:tabLst/>
+              <a:defRPr/>
+            </a:pPr>
+            <a:r>
+              <a:rPr lang="en-US" altLang="ja-JP" dirty="0"/>
+              <a:t>Production Strategy</a:t>
+            </a:r>
+          </a:p>
+          <a:p>
+            <a:pPr marL="0" marR="0" lvl="0" indent="0" algn="l" defTabSz="914400" rtl="0" eaLnBrk="1" fontAlgn="auto" latinLnBrk="0" hangingPunct="1">
+              <a:lnSpc>
+                <a:spcPct val="100000"/>
+              </a:lnSpc>
+              <a:spcBef>
+                <a:spcPts val="0"/>
+              </a:spcBef>
+              <a:spcAft>
+                <a:spcPts val="0"/>
+              </a:spcAft>
+              <a:buClrTx/>
+              <a:buSzTx/>
+              <a:buFontTx/>
+              <a:buNone/>
+              <a:tabLst/>
+              <a:defRPr/>
+            </a:pPr>
+            <a:r>
+              <a:rPr lang="ja-JP" altLang="en-US"/>
+              <a:t>アイデア</a:t>
+            </a:r>
+            <a:r>
+              <a:rPr lang="en-US" altLang="ja-JP" dirty="0"/>
+              <a:t>9</a:t>
+            </a:r>
+            <a:r>
+              <a:rPr lang="ja-JP" altLang="en-US"/>
+              <a:t>はよくわからない．過剰生産ほんとにダメかな？</a:t>
+            </a:r>
+            <a:endParaRPr lang="en-US" altLang="ja-JP" dirty="0"/>
+          </a:p>
+          <a:p>
+            <a:endParaRPr kumimoji="1" lang="ja-JP" altLang="en-US"/>
+          </a:p>
+          <a:p>
+            <a:endParaRPr kumimoji="1" lang="en-US" altLang="ja-JP" dirty="0"/>
+          </a:p>
+        </p:txBody>
+      </p:sp>
+      <p:sp>
+        <p:nvSpPr>
+          <p:cNvPr id="4" name="スライド番号プレースホルダー 3"/>
+          <p:cNvSpPr>
+            <a:spLocks noGrp="1"/>
+          </p:cNvSpPr>
+          <p:nvPr>
+            <p:ph type="sldNum" sz="quarter" idx="5"/>
+          </p:nvPr>
+        </p:nvSpPr>
+        <p:spPr/>
+        <p:txBody>
+          <a:bodyPr/>
+          <a:lstStyle/>
+          <a:p>
+            <a:fld id="{9E65FF1C-5ED4-104C-889B-C03938E2F7B7}" type="slidenum">
+              <a:rPr kumimoji="1" lang="ja-JP" altLang="en-US" smtClean="0"/>
+              <a:t>3</a:t>
+            </a:fld>
+            <a:endParaRPr kumimoji="1" lang="ja-JP" altLang="en-US"/>
+          </a:p>
+        </p:txBody>
+      </p:sp>
+    </p:spTree>
+    <p:extLst>
+      <p:ext uri="{BB962C8B-B14F-4D97-AF65-F5344CB8AC3E}">
+        <p14:creationId xmlns:p14="http://schemas.microsoft.com/office/powerpoint/2010/main" val="2647754975"/>
+      </p:ext>
+    </p:extLst>
+  </p:cSld>
+  <p:clrMapOvr>
+    <a:masterClrMapping/>
+  </p:clrMapOvr>
+</p:notes>
 </file>
 
 <file path=ppt/slideLayouts/slideLayout1.xml><?xml version="1.0" encoding="utf-8"?>
@@ -9301,6 +9829,10 @@
           </a:p>
           <a:p>
             <a:pPr lvl="1"/>
+            <a:r>
+              <a:rPr lang="ja-JP" altLang="en-US"/>
+              <a:t>パラメータの調整</a:t>
+            </a:r>
             <a:endParaRPr lang="en-US" altLang="ja-JP" dirty="0"/>
           </a:p>
           <a:p>
@@ -9311,6 +9843,10 @@
           </a:p>
           <a:p>
             <a:pPr lvl="1"/>
+            <a:r>
+              <a:rPr lang="ja-JP" altLang="en-US"/>
+              <a:t>できるだけ早く生産するように</a:t>
+            </a:r>
             <a:endParaRPr lang="en-US" altLang="ja-JP" dirty="0"/>
           </a:p>
           <a:p>
@@ -9320,6 +9856,22 @@
             </a:r>
           </a:p>
           <a:p>
+            <a:pPr lvl="1"/>
+            <a:r>
+              <a:rPr lang="ja-JP" altLang="en-US"/>
+              <a:t>契約量の予測値に契約相手の</a:t>
+            </a:r>
+            <a:r>
+              <a:rPr lang="en-US" altLang="ja-JP" dirty="0" err="1"/>
+              <a:t>branch_level</a:t>
+            </a:r>
+            <a:r>
+              <a:rPr lang="ja-JP" altLang="en-US"/>
+              <a:t>を考慮</a:t>
+            </a:r>
+            <a:endParaRPr lang="en-US" altLang="ja-JP" dirty="0"/>
+          </a:p>
+          <a:p>
             <a:r>
               <a:rPr lang="en-US" altLang="ja-JP" dirty="0"/>
               <a:t>Negotiation Control Strategy</a:t>
@@ -9327,7 +9879,10 @@
           </a:p>
           <a:p>
             <a:pPr lvl="1"/>
-            <a:endParaRPr kumimoji="1" lang="ja-JP" altLang="en-US"/>
+            <a:r>
+              <a:rPr kumimoji="1" lang="ja-JP" altLang="en-US"/>
+              <a:t>契約の予測実行率を調整</a:t>
+            </a:r>
           </a:p>
         </p:txBody>
       </p:sp>
@@ -9418,7 +9973,7 @@
             </a:r>
             <a:r>
               <a:rPr kumimoji="1" lang="ja-JP" altLang="en-US"/>
-              <a:t>：今後の予定</a:t>
+              <a:t>：実装予定</a:t>
             </a:r>
           </a:p>
         </p:txBody>
@@ -9445,18 +10000,33 @@
           <a:lstStyle/>
           <a:p>
             <a:r>
+              <a:rPr lang="en-US" altLang="ja-JP" dirty="0"/>
+              <a:t>Trading Strategy</a:t>
+            </a:r>
+          </a:p>
+          <a:p>
+            <a:pPr lvl="1"/>
+            <a:r>
               <a:rPr lang="ja-JP" altLang="en-US"/>
               <a:t>回帰分析を用いた予測の実装</a:t>
             </a:r>
+            <a:r>
+              <a:rPr lang="en-US" altLang="ja-JP" dirty="0"/>
+              <a:t> </a:t>
+            </a:r>
+            <a:r>
+              <a:rPr lang="ja-JP" altLang="en-US"/>
+              <a:t>（リッジ回帰？）</a:t>
+            </a:r>
             <a:endParaRPr lang="en-US" altLang="ja-JP" dirty="0"/>
           </a:p>
           <a:p>
             <a:pPr lvl="1"/>
             <a:r>
-              <a:rPr lang="ja-JP" altLang="en-US"/>
-              <a:t>リッジ回帰？</a:t>
-            </a:r>
-            <a:endParaRPr lang="en-US" altLang="ja-JP" dirty="0"/>
+              <a:rPr lang="en" altLang="ja-JP" dirty="0" err="1"/>
+              <a:t>TradePredictionStrategy</a:t>
+            </a:r>
+            <a:endParaRPr lang="en" altLang="ja-JP" dirty="0"/>
           </a:p>
           <a:p>
             <a:pPr lvl="2"/>
@@ -9491,10 +10061,18 @@
             <a:endParaRPr lang="en" altLang="ja-JP" dirty="0"/>
           </a:p>
           <a:p>
+            <a:pPr lvl="2"/>
+            <a:r>
+              <a:rPr lang="ja-JP" altLang="en-US"/>
+              <a:t>出力変数：取引量</a:t>
+            </a:r>
+            <a:endParaRPr lang="en" altLang="ja-JP" dirty="0"/>
+          </a:p>
+          <a:p>
             <a:pPr lvl="1"/>
             <a:r>
               <a:rPr lang="en" altLang="ja-JP" dirty="0" err="1"/>
-              <a:t>TradePredictionStrategy</a:t>
+              <a:t>ExecutionRatePredictionStrategy</a:t>
             </a:r>
             <a:endParaRPr lang="en" altLang="ja-JP" dirty="0"/>
           </a:p>
@@ -9502,7 +10080,7 @@
             <a:pPr lvl="2"/>
             <a:r>
               <a:rPr lang="ja-JP" altLang="en-US"/>
-              <a:t>出力変数：取引価格</a:t>
+              <a:t>入力関数：ステップ番号</a:t>
             </a:r>
             <a:r>
               <a:rPr lang="en-US" altLang="ja-JP" dirty="0"/>
@@ -9510,23 +10088,51 @@
             </a:r>
             <a:r>
               <a:rPr lang="ja-JP" altLang="en-US"/>
+              <a:t>製品番号</a:t>
+            </a:r>
+            <a:r>
+              <a:rPr lang="en-US" altLang="ja-JP" dirty="0"/>
+              <a:t>, </a:t>
+            </a:r>
+            <a:r>
+              <a:rPr lang="ja-JP" altLang="en-US"/>
+              <a:t>取引価格</a:t>
+            </a:r>
+            <a:r>
+              <a:rPr lang="en-US" altLang="ja-JP" dirty="0"/>
+              <a:t>, </a:t>
+            </a:r>
+            <a:r>
+              <a:rPr lang="ja-JP" altLang="en-US"/>
               <a:t>取引量</a:t>
             </a:r>
-            <a:endParaRPr lang="en" altLang="ja-JP" dirty="0"/>
-          </a:p>
-          <a:p>
-            <a:pPr lvl="1"/>
-            <a:r>
-              <a:rPr lang="en" altLang="ja-JP" dirty="0" err="1"/>
-              <a:t>ExecutionRatePredictionStrategy</a:t>
-            </a:r>
-            <a:endParaRPr lang="en" altLang="ja-JP" dirty="0"/>
+            <a:r>
+              <a:rPr lang="en-US" altLang="ja-JP" dirty="0"/>
+              <a:t>, </a:t>
+            </a:r>
+            <a:r>
+              <a:rPr lang="en-US" altLang="ja-JP" dirty="0" err="1"/>
+              <a:t>breach_level</a:t>
+            </a:r>
+            <a:endParaRPr lang="en-US" altLang="ja-JP" dirty="0"/>
           </a:p>
           <a:p>
             <a:pPr lvl="2"/>
             <a:r>
               <a:rPr lang="ja-JP" altLang="en-US"/>
               <a:t>出力変数：</a:t>
+            </a:r>
+            <a:r>
+              <a:rPr lang="en-US" altLang="ja-JP" dirty="0" err="1"/>
+              <a:t>breach_level</a:t>
+            </a:r>
+            <a:endParaRPr lang="en-US" altLang="ja-JP" dirty="0"/>
+          </a:p>
+          <a:p>
+            <a:pPr lvl="2"/>
+            <a:r>
+              <a:rPr lang="ja-JP" altLang="en-US"/>
+              <a:t>各パートナーごとに予測できるように</a:t>
             </a:r>
             <a:endParaRPr lang="en" altLang="ja-JP" dirty="0"/>
           </a:p>
@@ -9579,6 +10185,247 @@
 </file>
 
 <file path=ppt/slides/slide4.xml><?xml version="1.0" encoding="utf-8"?>
+<p:sld xmlns:a="http://schemas.openxmlformats.org/drawingml/2006/main" xmlns:r="http://schemas.openxmlformats.org/officeDocument/2006/relationships" xmlns:p="http://schemas.openxmlformats.org/presentationml/2006/main">
+  <p:cSld>
+    <p:spTree>
+      <p:nvGrpSpPr>
+        <p:cNvPr id="1" name=""/>
+        <p:cNvGrpSpPr/>
+        <p:nvPr/>
+      </p:nvGrpSpPr>
+      <p:grpSpPr>
+        <a:xfrm>
+          <a:off x="0" y="0"/>
+          <a:ext cx="0" cy="0"/>
+          <a:chOff x="0" y="0"/>
+          <a:chExt cx="0" cy="0"/>
+        </a:xfrm>
+      </p:grpSpPr>
+      <p:sp>
+        <p:nvSpPr>
+          <p:cNvPr id="2" name="タイトル 1">
+            <a:extLst>
+              <a:ext uri="{FF2B5EF4-FFF2-40B4-BE49-F238E27FC236}">
+                <a16:creationId xmlns:a16="http://schemas.microsoft.com/office/drawing/2014/main" id="{2A43F0C1-9154-5249-A9A4-6FFA85F2397A}"/>
+              </a:ext>
+            </a:extLst>
+          </p:cNvPr>
+          <p:cNvSpPr>
+            <a:spLocks noGrp="1"/>
+          </p:cNvSpPr>
+          <p:nvPr>
+            <p:ph type="title"/>
+          </p:nvPr>
+        </p:nvSpPr>
+        <p:spPr/>
+        <p:txBody>
+          <a:bodyPr/>
+          <a:lstStyle/>
+          <a:p>
+            <a:r>
+              <a:rPr kumimoji="1" lang="en-US" altLang="ja-JP" dirty="0"/>
+              <a:t>SCML</a:t>
+            </a:r>
+            <a:r>
+              <a:rPr kumimoji="1" lang="ja-JP" altLang="en-US"/>
+              <a:t>：改善アイデア</a:t>
+            </a:r>
+          </a:p>
+        </p:txBody>
+      </p:sp>
+      <p:sp>
+        <p:nvSpPr>
+          <p:cNvPr id="3" name="コンテンツ プレースホルダー 2">
+            <a:extLst>
+              <a:ext uri="{FF2B5EF4-FFF2-40B4-BE49-F238E27FC236}">
+                <a16:creationId xmlns:a16="http://schemas.microsoft.com/office/drawing/2014/main" id="{FB669F37-8E66-E84F-AC80-D99240DD9966}"/>
+              </a:ext>
+            </a:extLst>
+          </p:cNvPr>
+          <p:cNvSpPr>
+            <a:spLocks noGrp="1"/>
+          </p:cNvSpPr>
+          <p:nvPr>
+            <p:ph idx="1"/>
+          </p:nvPr>
+        </p:nvSpPr>
+        <p:spPr>
+          <a:xfrm>
+            <a:off x="248324" y="689483"/>
+            <a:ext cx="8895675" cy="5767073"/>
+          </a:xfrm>
+        </p:spPr>
+        <p:txBody>
+          <a:bodyPr/>
+          <a:lstStyle/>
+          <a:p>
+            <a:r>
+              <a:rPr lang="en-US" altLang="ja-JP" dirty="0"/>
+              <a:t>Negotiation Control Strategy</a:t>
+            </a:r>
+          </a:p>
+          <a:p>
+            <a:pPr lvl="1"/>
+            <a:r>
+              <a:rPr lang="ja-JP" altLang="en-US"/>
+              <a:t>単純な契約の提案</a:t>
+            </a:r>
+            <a:endParaRPr lang="en-US" altLang="ja-JP" dirty="0"/>
+          </a:p>
+          <a:p>
+            <a:pPr lvl="2"/>
+            <a:r>
+              <a:rPr lang="ja-JP" altLang="en-US"/>
+              <a:t>相手</a:t>
+            </a:r>
+            <a:r>
+              <a:rPr lang="en-US" altLang="ja-JP" dirty="0"/>
+              <a:t>, </a:t>
+            </a:r>
+            <a:r>
+              <a:rPr lang="ja-JP" altLang="en-US"/>
+              <a:t>価格</a:t>
+            </a:r>
+            <a:r>
+              <a:rPr lang="en-US" altLang="ja-JP" dirty="0"/>
+              <a:t>, </a:t>
+            </a:r>
+            <a:r>
+              <a:rPr lang="ja-JP" altLang="en-US"/>
+              <a:t>量</a:t>
+            </a:r>
+            <a:r>
+              <a:rPr lang="en-US" altLang="ja-JP" dirty="0"/>
+              <a:t>, </a:t>
+            </a:r>
+            <a:r>
+              <a:rPr lang="ja-JP" altLang="en-US"/>
+              <a:t>納期を適切に決めたい</a:t>
+            </a:r>
+            <a:endParaRPr lang="en-US" altLang="ja-JP" dirty="0"/>
+          </a:p>
+          <a:p>
+            <a:pPr lvl="1"/>
+            <a:r>
+              <a:rPr lang="ja-JP" altLang="en-US"/>
+              <a:t>そのステップの必要量だけを考慮している署名アルゴリズム</a:t>
+            </a:r>
+            <a:endParaRPr lang="en-US" altLang="ja-JP" dirty="0"/>
+          </a:p>
+          <a:p>
+            <a:pPr lvl="2"/>
+            <a:r>
+              <a:rPr lang="ja-JP" altLang="en-US"/>
+              <a:t>全ステップを考慮して，お得な契約を取りたい</a:t>
+            </a:r>
+            <a:endParaRPr lang="en-US" altLang="ja-JP" dirty="0"/>
+          </a:p>
+          <a:p>
+            <a:pPr lvl="2"/>
+            <a:r>
+              <a:rPr lang="ja-JP" altLang="en-US"/>
+              <a:t>必要量を，進行中の交渉を考慮して調整したい</a:t>
+            </a:r>
+            <a:endParaRPr lang="en-US" altLang="ja-JP" dirty="0"/>
+          </a:p>
+          <a:p>
+            <a:r>
+              <a:rPr lang="en-US" altLang="ja-JP" dirty="0"/>
+              <a:t>Production Strategy</a:t>
+            </a:r>
+          </a:p>
+          <a:p>
+            <a:pPr lvl="1"/>
+            <a:r>
+              <a:rPr lang="ja-JP" altLang="en-US"/>
+              <a:t>なるべく早く生産</a:t>
+            </a:r>
+            <a:r>
+              <a:rPr lang="en-US" altLang="ja-JP" dirty="0"/>
+              <a:t> </a:t>
+            </a:r>
+            <a:r>
+              <a:rPr lang="ja-JP" altLang="en-US"/>
+              <a:t>→</a:t>
+            </a:r>
+            <a:r>
+              <a:rPr lang="en-US" altLang="ja-JP" dirty="0"/>
+              <a:t> </a:t>
+            </a:r>
+            <a:r>
+              <a:rPr lang="ja-JP" altLang="en-US"/>
+              <a:t>いくつかラインを空けながら生産</a:t>
+            </a:r>
+            <a:endParaRPr lang="en-US" altLang="ja-JP" dirty="0"/>
+          </a:p>
+          <a:p>
+            <a:pPr lvl="2"/>
+            <a:r>
+              <a:rPr lang="ja-JP" altLang="en-US"/>
+              <a:t>お得な契約があったときに使えるように</a:t>
+            </a:r>
+            <a:endParaRPr lang="en-US" altLang="ja-JP" dirty="0"/>
+          </a:p>
+          <a:p>
+            <a:pPr lvl="2"/>
+            <a:endParaRPr lang="en-US" altLang="ja-JP" dirty="0"/>
+          </a:p>
+          <a:p>
+            <a:pPr lvl="1"/>
+            <a:endParaRPr lang="en-US" altLang="ja-JP" dirty="0"/>
+          </a:p>
+          <a:p>
+            <a:pPr marL="914400" lvl="2" indent="0">
+              <a:buNone/>
+            </a:pPr>
+            <a:endParaRPr kumimoji="1" lang="en-US" altLang="ja-JP" dirty="0"/>
+          </a:p>
+        </p:txBody>
+      </p:sp>
+      <p:sp>
+        <p:nvSpPr>
+          <p:cNvPr id="4" name="スライド番号プレースホルダー 3">
+            <a:extLst>
+              <a:ext uri="{FF2B5EF4-FFF2-40B4-BE49-F238E27FC236}">
+                <a16:creationId xmlns:a16="http://schemas.microsoft.com/office/drawing/2014/main" id="{AA9994BE-8A67-AB46-A6C1-1041F646D2BC}"/>
+              </a:ext>
+            </a:extLst>
+          </p:cNvPr>
+          <p:cNvSpPr>
+            <a:spLocks noGrp="1"/>
+          </p:cNvSpPr>
+          <p:nvPr>
+            <p:ph type="sldNum" sz="quarter" idx="12"/>
+          </p:nvPr>
+        </p:nvSpPr>
+        <p:spPr/>
+        <p:txBody>
+          <a:bodyPr/>
+          <a:lstStyle/>
+          <a:p>
+            <a:fld id="{CC5726A9-67AB-1445-BA24-764364F83A96}" type="slidenum">
+              <a:rPr kumimoji="1" lang="ja-JP" altLang="en-US" smtClean="0"/>
+              <a:pPr/>
+              <a:t>3</a:t>
+            </a:fld>
+            <a:endParaRPr kumimoji="1" lang="ja-JP" altLang="en-US"/>
+          </a:p>
+        </p:txBody>
+      </p:sp>
+    </p:spTree>
+    <p:extLst>
+      <p:ext uri="{BB962C8B-B14F-4D97-AF65-F5344CB8AC3E}">
+        <p14:creationId xmlns:p14="http://schemas.microsoft.com/office/powerpoint/2010/main" val="2420298381"/>
+      </p:ext>
+    </p:extLst>
+  </p:cSld>
+  <p:clrMapOvr>
+    <a:masterClrMapping/>
+  </p:clrMapOvr>
+</p:sld>
+</file>
+
+<file path=ppt/slides/slide5.xml><?xml version="1.0" encoding="utf-8"?>
 <p:sld xmlns:a="http://schemas.openxmlformats.org/drawingml/2006/main" xmlns:r="http://schemas.openxmlformats.org/officeDocument/2006/relationships" xmlns:p="http://schemas.openxmlformats.org/presentationml/2006/main">
   <p:cSld>
     <p:spTree>
@@ -10587,7 +11434,7 @@
         <p:spPr>
           <a:xfrm>
             <a:off x="672128" y="5395784"/>
-            <a:ext cx="2733441" cy="973793"/>
+            <a:ext cx="2733441" cy="512128"/>
           </a:xfrm>
           <a:prstGeom prst="rect">
             <a:avLst/>
@@ -10599,34 +11446,6 @@
             <a:spAutoFit/>
           </a:bodyPr>
           <a:lstStyle/>
-          <a:p>
-            <a:pPr>
-              <a:lnSpc>
-                <a:spcPct val="150000"/>
-              </a:lnSpc>
-            </a:pPr>
-            <a:r>
-              <a:rPr kumimoji="1" lang="en-US" altLang="ja-JP" sz="2000" dirty="0">
-                <a:latin typeface="Spica Neue P" panose="02000503000000000000" pitchFamily="2" charset="-128"/>
-                <a:ea typeface="Spica Neue P" panose="02000503000000000000" pitchFamily="2" charset="-128"/>
-                <a:cs typeface="Spica Neue P" panose="02000503000000000000" pitchFamily="2" charset="-128"/>
-              </a:rPr>
-              <a:t>6/1   SCML</a:t>
-            </a:r>
-            <a:r>
-              <a:rPr kumimoji="1" lang="ja-JP" altLang="en-US" sz="2000">
-                <a:latin typeface="Spica Neue P" panose="02000503000000000000" pitchFamily="2" charset="-128"/>
-                <a:ea typeface="Spica Neue P" panose="02000503000000000000" pitchFamily="2" charset="-128"/>
-                <a:cs typeface="Spica Neue P" panose="02000503000000000000" pitchFamily="2" charset="-128"/>
-              </a:rPr>
-              <a:t>仮提出〆切</a:t>
-            </a:r>
-            <a:endParaRPr kumimoji="1" lang="en-US" altLang="ja-JP" sz="2000" dirty="0">
-              <a:latin typeface="Spica Neue P" panose="02000503000000000000" pitchFamily="2" charset="-128"/>
-              <a:ea typeface="Spica Neue P" panose="02000503000000000000" pitchFamily="2" charset="-128"/>
-              <a:cs typeface="Spica Neue P" panose="02000503000000000000" pitchFamily="2" charset="-128"/>
-            </a:endParaRPr>
-          </a:p>
           <a:p>
             <a:pPr>
               <a:lnSpc>
@@ -10835,7 +11654,7 @@
             <a:fld id="{CC5726A9-67AB-1445-BA24-764364F83A96}" type="slidenum">
               <a:rPr kumimoji="1" lang="ja-JP" altLang="en-US" smtClean="0"/>
               <a:pPr/>
-              <a:t>3</a:t>
+              <a:t>4</a:t>
             </a:fld>
             <a:endParaRPr kumimoji="1" lang="ja-JP" altLang="en-US"/>
           </a:p>
@@ -11778,6 +12597,12 @@
 </file>
 
 <file path=customXml/item1.xml><?xml version="1.0" encoding="utf-8"?>
+<p:properties xmlns:p="http://schemas.microsoft.com/office/2006/metadata/properties" xmlns:xsi="http://www.w3.org/2001/XMLSchema-instance" xmlns:pc="http://schemas.microsoft.com/office/infopath/2007/PartnerControls">
+  <documentManagement/>
+</p:properties>
+</file>
+
+<file path=customXml/item2.xml><?xml version="1.0" encoding="utf-8"?>
 <ct:contentTypeSchema xmlns:ct="http://schemas.microsoft.com/office/2006/metadata/contentType" xmlns:ma="http://schemas.microsoft.com/office/2006/metadata/properties/metaAttributes" ct:_="" ma:_="" ma:contentTypeName="ドキュメント" ma:contentTypeID="0x010100020769D25281C740A9CFDCE668FD1151" ma:contentTypeVersion="2" ma:contentTypeDescription="新しいドキュメントを作成します。" ma:contentTypeScope="" ma:versionID="0691fbd9df8181d383c010f94268dba9">
   <xsd:schema xmlns:xsd="http://www.w3.org/2001/XMLSchema" xmlns:xs="http://www.w3.org/2001/XMLSchema" xmlns:p="http://schemas.microsoft.com/office/2006/metadata/properties" xmlns:ns2="a9d0157f-fe39-49b1-b528-bee6a11b5a24" targetNamespace="http://schemas.microsoft.com/office/2006/metadata/properties" ma:root="true" ma:fieldsID="8cb1e8afccd8c3c8f2951e5e6e00e932" ns2:_="">
     <xsd:import namespace="a9d0157f-fe39-49b1-b528-bee6a11b5a24"/>
@@ -11909,12 +12734,6 @@
 </ct:contentTypeSchema>
 </file>
 
-<file path=customXml/item2.xml><?xml version="1.0" encoding="utf-8"?>
-<p:properties xmlns:p="http://schemas.microsoft.com/office/2006/metadata/properties" xmlns:xsi="http://www.w3.org/2001/XMLSchema-instance" xmlns:pc="http://schemas.microsoft.com/office/infopath/2007/PartnerControls">
-  <documentManagement/>
-</p:properties>
-</file>
-
 <file path=customXml/item3.xml><?xml version="1.0" encoding="utf-8"?>
 <?mso-contentType ?>
 <FormTemplates xmlns="http://schemas.microsoft.com/sharepoint/v3/contenttype/forms">
@@ -11925,6 +12744,15 @@
 </file>
 
 <file path=customXml/itemProps1.xml><?xml version="1.0" encoding="utf-8"?>
+<ds:datastoreItem xmlns:ds="http://schemas.openxmlformats.org/officeDocument/2006/customXml" ds:itemID="{EBBFBF09-3B7D-4F61-9533-D655E7A03004}">
+  <ds:schemaRefs>
+    <ds:schemaRef ds:uri="http://schemas.microsoft.com/office/2006/metadata/properties"/>
+    <ds:schemaRef ds:uri="http://schemas.microsoft.com/office/infopath/2007/PartnerControls"/>
+  </ds:schemaRefs>
+</ds:datastoreItem>
+</file>
+
+<file path=customXml/itemProps2.xml><?xml version="1.0" encoding="utf-8"?>
 <ds:datastoreItem xmlns:ds="http://schemas.openxmlformats.org/officeDocument/2006/customXml" ds:itemID="{B513F9A6-0B7F-4E92-AA3A-90C207210C9C}">
   <ds:schemaRefs>
     <ds:schemaRef ds:uri="http://schemas.microsoft.com/office/2006/metadata/contentType"/>
@@ -11942,15 +12770,6 @@
 </ds:datastoreItem>
 </file>
 
-<file path=customXml/itemProps2.xml><?xml version="1.0" encoding="utf-8"?>
-<ds:datastoreItem xmlns:ds="http://schemas.openxmlformats.org/officeDocument/2006/customXml" ds:itemID="{EBBFBF09-3B7D-4F61-9533-D655E7A03004}">
-  <ds:schemaRefs>
-    <ds:schemaRef ds:uri="http://schemas.microsoft.com/office/2006/metadata/properties"/>
-    <ds:schemaRef ds:uri="http://schemas.microsoft.com/office/infopath/2007/PartnerControls"/>
-  </ds:schemaRefs>
-</ds:datastoreItem>
-</file>
-
 <file path=customXml/itemProps3.xml><?xml version="1.0" encoding="utf-8"?>
 <ds:datastoreItem xmlns:ds="http://schemas.openxmlformats.org/officeDocument/2006/customXml" ds:itemID="{E24A5684-F374-415F-A401-ED898ACB4C63}">
   <ds:schemaRefs>
